--- a/tests/prueba_salida.pptx
+++ b/tests/prueba_salida.pptx
@@ -274,9 +274,9 @@
           </c:dLbls>
           <c:cat>
             <c:strRef>
-              <c:f>Sheet1!$A$2:$A$14</c:f>
+              <c:f>Sheet1!$A$2:$A$15</c:f>
               <c:strCache>
-                <c:ptCount val="13"/>
+                <c:ptCount val="14"/>
                 <c:pt idx="0">
                   <c:v>Banco de Chile</c:v>
                 </c:pt>
@@ -290,30 +290,33 @@
                   <c:v>BancoEstado</c:v>
                 </c:pt>
                 <c:pt idx="4">
+                  <c:v>Itaú-Corpbanca</c:v>
+                </c:pt>
+                <c:pt idx="5">
                   <c:v>BBVA</c:v>
                 </c:pt>
-                <c:pt idx="5">
+                <c:pt idx="6">
                   <c:v>Corpbanca</c:v>
-                </c:pt>
-                <c:pt idx="6">
-                  <c:v>Itaú</c:v>
                 </c:pt>
                 <c:pt idx="7">
                   <c:v>BICE</c:v>
                 </c:pt>
                 <c:pt idx="8">
+                  <c:v>Security</c:v>
+                </c:pt>
+                <c:pt idx="9">
                   <c:v>Scotiabank</c:v>
                 </c:pt>
-                <c:pt idx="9">
-                  <c:v>Security</c:v>
+                <c:pt idx="10">
+                  <c:v>Itaú</c:v>
                 </c:pt>
-                <c:pt idx="10">
+                <c:pt idx="11">
                   <c:v>HSBC</c:v>
                 </c:pt>
-                <c:pt idx="11">
+                <c:pt idx="12">
                   <c:v>Internacional</c:v>
                 </c:pt>
-                <c:pt idx="12">
+                <c:pt idx="13">
                   <c:v>Del Desarrollo</c:v>
                 </c:pt>
               </c:strCache>
@@ -321,10 +324,52 @@
           </c:cat>
           <c:val>
             <c:numRef>
-              <c:f>Sheet1!$B$2:$B$14</c:f>
+              <c:f>Sheet1!$B$2:$B$15</c:f>
               <c:numCache>
-                <c:formatCode>0%</c:formatCode>
-                <c:ptCount val="13"/>
+                <c:formatCode>General</c:formatCode>
+                <c:ptCount val="14"/>
+                <c:pt idx="0">
+                  <c:v>0.1</c:v>
+                </c:pt>
+                <c:pt idx="1">
+                  <c:v>0.1</c:v>
+                </c:pt>
+                <c:pt idx="2">
+                  <c:v>0.1</c:v>
+                </c:pt>
+                <c:pt idx="3">
+                  <c:v>0.1</c:v>
+                </c:pt>
+                <c:pt idx="4">
+                  <c:v>0.1</c:v>
+                </c:pt>
+                <c:pt idx="5">
+                  <c:v>0.1</c:v>
+                </c:pt>
+                <c:pt idx="6">
+                  <c:v>0.1</c:v>
+                </c:pt>
+                <c:pt idx="7">
+                  <c:v>0.1</c:v>
+                </c:pt>
+                <c:pt idx="8">
+                  <c:v>0.1</c:v>
+                </c:pt>
+                <c:pt idx="9">
+                  <c:v>0.1</c:v>
+                </c:pt>
+                <c:pt idx="10">
+                  <c:v>0.1</c:v>
+                </c:pt>
+                <c:pt idx="11">
+                  <c:v>0.1</c:v>
+                </c:pt>
+                <c:pt idx="12">
+                  <c:v>0.1</c:v>
+                </c:pt>
+                <c:pt idx="13">
+                  <c:v>0.1</c:v>
+                </c:pt>
               </c:numCache>
             </c:numRef>
           </c:val>
@@ -334,11 +379,11 @@
           <c:order val="1"/>
           <c:tx>
             <c:strRef>
-              <c:f>Sheet1!$C$1</c:f>
+              <c:f>Sheet1!$D$1</c:f>
               <c:strCache>
                 <c:ptCount val="1"/>
                 <c:pt idx="0">
-                  <c:v>2º Principal</c:v>
+                  <c:v>Alternativo</c:v>
                 </c:pt>
               </c:strCache>
             </c:strRef>
@@ -443,9 +488,9 @@
           </c:dLbls>
           <c:cat>
             <c:strRef>
-              <c:f>Sheet1!$A$2:$A$14</c:f>
+              <c:f>Sheet1!$A$2:$A$15</c:f>
               <c:strCache>
-                <c:ptCount val="13"/>
+                <c:ptCount val="14"/>
                 <c:pt idx="0">
                   <c:v>Banco de Chile</c:v>
                 </c:pt>
@@ -459,30 +504,33 @@
                   <c:v>BancoEstado</c:v>
                 </c:pt>
                 <c:pt idx="4">
+                  <c:v>Itaú-Corpbanca</c:v>
+                </c:pt>
+                <c:pt idx="5">
                   <c:v>BBVA</c:v>
                 </c:pt>
-                <c:pt idx="5">
+                <c:pt idx="6">
                   <c:v>Corpbanca</c:v>
-                </c:pt>
-                <c:pt idx="6">
-                  <c:v>Itaú</c:v>
                 </c:pt>
                 <c:pt idx="7">
                   <c:v>BICE</c:v>
                 </c:pt>
                 <c:pt idx="8">
+                  <c:v>Security</c:v>
+                </c:pt>
+                <c:pt idx="9">
                   <c:v>Scotiabank</c:v>
                 </c:pt>
-                <c:pt idx="9">
-                  <c:v>Security</c:v>
+                <c:pt idx="10">
+                  <c:v>Itaú</c:v>
                 </c:pt>
-                <c:pt idx="10">
+                <c:pt idx="11">
                   <c:v>HSBC</c:v>
                 </c:pt>
-                <c:pt idx="11">
+                <c:pt idx="12">
                   <c:v>Internacional</c:v>
                 </c:pt>
-                <c:pt idx="12">
+                <c:pt idx="13">
                   <c:v>Del Desarrollo</c:v>
                 </c:pt>
               </c:strCache>
@@ -490,10 +538,52 @@
           </c:cat>
           <c:val>
             <c:numRef>
-              <c:f>Sheet1!$C$2:$C$14</c:f>
+              <c:f>Sheet1!$D$2:$D$15</c:f>
               <c:numCache>
-                <c:formatCode>0%</c:formatCode>
-                <c:ptCount val="13"/>
+                <c:formatCode>General</c:formatCode>
+                <c:ptCount val="14"/>
+                <c:pt idx="0">
+                  <c:v>=+G2-B2-C2</c:v>
+                </c:pt>
+                <c:pt idx="1">
+                  <c:v>=</c:v>
+                </c:pt>
+                <c:pt idx="2">
+                  <c:v>=</c:v>
+                </c:pt>
+                <c:pt idx="3">
+                  <c:v>=</c:v>
+                </c:pt>
+                <c:pt idx="4">
+                  <c:v>=</c:v>
+                </c:pt>
+                <c:pt idx="5">
+                  <c:v>=</c:v>
+                </c:pt>
+                <c:pt idx="6">
+                  <c:v>=</c:v>
+                </c:pt>
+                <c:pt idx="7">
+                  <c:v>=</c:v>
+                </c:pt>
+                <c:pt idx="8">
+                  <c:v>=</c:v>
+                </c:pt>
+                <c:pt idx="9">
+                  <c:v>=</c:v>
+                </c:pt>
+                <c:pt idx="10">
+                  <c:v>=</c:v>
+                </c:pt>
+                <c:pt idx="11">
+                  <c:v>=</c:v>
+                </c:pt>
+                <c:pt idx="12">
+                  <c:v>=</c:v>
+                </c:pt>
+                <c:pt idx="13">
+                  <c:v>=</c:v>
+                </c:pt>
               </c:numCache>
             </c:numRef>
           </c:val>
@@ -503,11 +593,11 @@
           <c:order val="2"/>
           <c:tx>
             <c:strRef>
-              <c:f>Sheet1!$D$1</c:f>
+              <c:f>Sheet1!$E$1</c:f>
               <c:strCache>
                 <c:ptCount val="1"/>
                 <c:pt idx="0">
-                  <c:v>Alternativo</c:v>
+                  <c:v>Débiles</c:v>
                 </c:pt>
               </c:strCache>
             </c:strRef>
@@ -563,9 +653,9 @@
           </c:dLbls>
           <c:cat>
             <c:strRef>
-              <c:f>Sheet1!$A$2:$A$14</c:f>
+              <c:f>Sheet1!$A$2:$A$15</c:f>
               <c:strCache>
-                <c:ptCount val="13"/>
+                <c:ptCount val="14"/>
                 <c:pt idx="0">
                   <c:v>Banco de Chile</c:v>
                 </c:pt>
@@ -579,30 +669,33 @@
                   <c:v>BancoEstado</c:v>
                 </c:pt>
                 <c:pt idx="4">
+                  <c:v>Itaú-Corpbanca</c:v>
+                </c:pt>
+                <c:pt idx="5">
                   <c:v>BBVA</c:v>
                 </c:pt>
-                <c:pt idx="5">
+                <c:pt idx="6">
                   <c:v>Corpbanca</c:v>
-                </c:pt>
-                <c:pt idx="6">
-                  <c:v>Itaú</c:v>
                 </c:pt>
                 <c:pt idx="7">
                   <c:v>BICE</c:v>
                 </c:pt>
                 <c:pt idx="8">
+                  <c:v>Security</c:v>
+                </c:pt>
+                <c:pt idx="9">
                   <c:v>Scotiabank</c:v>
                 </c:pt>
-                <c:pt idx="9">
-                  <c:v>Security</c:v>
+                <c:pt idx="10">
+                  <c:v>Itaú</c:v>
                 </c:pt>
-                <c:pt idx="10">
+                <c:pt idx="11">
                   <c:v>HSBC</c:v>
                 </c:pt>
-                <c:pt idx="11">
+                <c:pt idx="12">
                   <c:v>Internacional</c:v>
                 </c:pt>
-                <c:pt idx="12">
+                <c:pt idx="13">
                   <c:v>Del Desarrollo</c:v>
                 </c:pt>
               </c:strCache>
@@ -610,10 +703,52 @@
           </c:cat>
           <c:val>
             <c:numRef>
-              <c:f>Sheet1!$D$2:$D$14</c:f>
+              <c:f>Sheet1!$E$2:$E$15</c:f>
               <c:numCache>
-                <c:formatCode>0%</c:formatCode>
-                <c:ptCount val="13"/>
+                <c:formatCode>General</c:formatCode>
+                <c:ptCount val="14"/>
+                <c:pt idx="0">
+                  <c:v>=+F2-G2</c:v>
+                </c:pt>
+                <c:pt idx="1">
+                  <c:v>=</c:v>
+                </c:pt>
+                <c:pt idx="2">
+                  <c:v>=</c:v>
+                </c:pt>
+                <c:pt idx="3">
+                  <c:v>=</c:v>
+                </c:pt>
+                <c:pt idx="4">
+                  <c:v>=</c:v>
+                </c:pt>
+                <c:pt idx="5">
+                  <c:v>=</c:v>
+                </c:pt>
+                <c:pt idx="6">
+                  <c:v>=</c:v>
+                </c:pt>
+                <c:pt idx="7">
+                  <c:v>=</c:v>
+                </c:pt>
+                <c:pt idx="8">
+                  <c:v>=</c:v>
+                </c:pt>
+                <c:pt idx="9">
+                  <c:v>=</c:v>
+                </c:pt>
+                <c:pt idx="10">
+                  <c:v>=</c:v>
+                </c:pt>
+                <c:pt idx="11">
+                  <c:v>=</c:v>
+                </c:pt>
+                <c:pt idx="12">
+                  <c:v>=</c:v>
+                </c:pt>
+                <c:pt idx="13">
+                  <c:v>=</c:v>
+                </c:pt>
               </c:numCache>
             </c:numRef>
           </c:val>
@@ -623,11 +758,11 @@
           <c:order val="3"/>
           <c:tx>
             <c:strRef>
-              <c:f>Sheet1!$E$1</c:f>
+              <c:f>Sheet1!$C$1</c:f>
               <c:strCache>
                 <c:ptCount val="1"/>
                 <c:pt idx="0">
-                  <c:v>Débiles</c:v>
+                  <c:v>2º Principal</c:v>
                 </c:pt>
               </c:strCache>
             </c:strRef>
@@ -670,9 +805,9 @@
           </c:dLbls>
           <c:cat>
             <c:strRef>
-              <c:f>Sheet1!$A$2:$A$14</c:f>
+              <c:f>Sheet1!$A$2:$A$15</c:f>
               <c:strCache>
-                <c:ptCount val="13"/>
+                <c:ptCount val="14"/>
                 <c:pt idx="0">
                   <c:v>Banco de Chile</c:v>
                 </c:pt>
@@ -686,30 +821,33 @@
                   <c:v>BancoEstado</c:v>
                 </c:pt>
                 <c:pt idx="4">
+                  <c:v>Itaú-Corpbanca</c:v>
+                </c:pt>
+                <c:pt idx="5">
                   <c:v>BBVA</c:v>
                 </c:pt>
-                <c:pt idx="5">
+                <c:pt idx="6">
                   <c:v>Corpbanca</c:v>
-                </c:pt>
-                <c:pt idx="6">
-                  <c:v>Itaú</c:v>
                 </c:pt>
                 <c:pt idx="7">
                   <c:v>BICE</c:v>
                 </c:pt>
                 <c:pt idx="8">
+                  <c:v>Security</c:v>
+                </c:pt>
+                <c:pt idx="9">
                   <c:v>Scotiabank</c:v>
                 </c:pt>
-                <c:pt idx="9">
-                  <c:v>Security</c:v>
+                <c:pt idx="10">
+                  <c:v>Itaú</c:v>
                 </c:pt>
-                <c:pt idx="10">
+                <c:pt idx="11">
                   <c:v>HSBC</c:v>
                 </c:pt>
-                <c:pt idx="11">
+                <c:pt idx="12">
                   <c:v>Internacional</c:v>
                 </c:pt>
-                <c:pt idx="12">
+                <c:pt idx="13">
                   <c:v>Del Desarrollo</c:v>
                 </c:pt>
               </c:strCache>
@@ -717,10 +855,204 @@
           </c:cat>
           <c:val>
             <c:numRef>
-              <c:f>Sheet1!$E$2:$E$14</c:f>
+              <c:f>Sheet1!$C$2:$C$15</c:f>
               <c:numCache>
-                <c:formatCode>0%</c:formatCode>
-                <c:ptCount val="13"/>
+                <c:formatCode>General</c:formatCode>
+                <c:ptCount val="14"/>
+                <c:pt idx="0">
+                  <c:v>0.1</c:v>
+                </c:pt>
+                <c:pt idx="1">
+                  <c:v>0.1</c:v>
+                </c:pt>
+                <c:pt idx="2">
+                  <c:v>0.1</c:v>
+                </c:pt>
+                <c:pt idx="3">
+                  <c:v>0.1</c:v>
+                </c:pt>
+                <c:pt idx="4">
+                  <c:v>0.1</c:v>
+                </c:pt>
+                <c:pt idx="5">
+                  <c:v>0.1</c:v>
+                </c:pt>
+                <c:pt idx="6">
+                  <c:v>0.1</c:v>
+                </c:pt>
+                <c:pt idx="7">
+                  <c:v>0.1</c:v>
+                </c:pt>
+                <c:pt idx="8">
+                  <c:v>0.1</c:v>
+                </c:pt>
+                <c:pt idx="9">
+                  <c:v>0.1</c:v>
+                </c:pt>
+                <c:pt idx="10">
+                  <c:v>0.1</c:v>
+                </c:pt>
+                <c:pt idx="11">
+                  <c:v>0.1</c:v>
+                </c:pt>
+                <c:pt idx="12">
+                  <c:v>0.1</c:v>
+                </c:pt>
+                <c:pt idx="13">
+                  <c:v>0.1</c:v>
+                </c:pt>
+              </c:numCache>
+            </c:numRef>
+          </c:val>
+        </c:ser>
+        <c:ser>
+          <c:idx val="4"/>
+          <c:order val="4"/>
+          <c:tx>
+            <c:strRef>
+              <c:f>Sheet1!$F$1</c:f>
+              <c:strCache>
+                <c:ptCount val="1"/>
+                <c:pt idx="0">
+                  <c:v>Presencia General</c:v>
+                </c:pt>
+              </c:strCache>
+            </c:strRef>
+          </c:tx>
+          <c:spPr>
+            <a:solidFill>
+              <a:schemeClr val="bg1">
+                <a:lumMod val="75000"/>
+              </a:schemeClr>
+            </a:solidFill>
+            <a:effectLst>
+              <a:outerShdw blurRad="50800" dist="38100" dir="2700000" algn="tl" rotWithShape="0">
+                <a:prstClr val="black">
+                  <a:alpha val="40000"/>
+                </a:prstClr>
+              </a:outerShdw>
+            </a:effectLst>
+          </c:spPr>
+          <c:invertIfNegative val="0"/>
+          <c:dLbls>
+            <c:txPr>
+              <a:bodyPr/>
+              <a:lstStyle/>
+              <a:p>
+                <a:pPr>
+                  <a:defRPr sz="1000">
+                    <a:latin typeface="Gill Sans MT" pitchFamily="34" charset="0"/>
+                  </a:defRPr>
+                </a:pPr>
+                <a:endParaRPr lang="es-AR"/>
+              </a:p>
+            </c:txPr>
+            <c:showLegendKey val="0"/>
+            <c:showVal val="1"/>
+            <c:showCatName val="0"/>
+            <c:showSerName val="0"/>
+            <c:showPercent val="0"/>
+            <c:showBubbleSize val="0"/>
+            <c:showLeaderLines val="0"/>
+          </c:dLbls>
+          <c:cat>
+            <c:strRef>
+              <c:f>Sheet1!$A$2:$A$15</c:f>
+              <c:strCache>
+                <c:ptCount val="14"/>
+                <c:pt idx="0">
+                  <c:v>Banco de Chile</c:v>
+                </c:pt>
+                <c:pt idx="1">
+                  <c:v>Santander</c:v>
+                </c:pt>
+                <c:pt idx="2">
+                  <c:v>BCI</c:v>
+                </c:pt>
+                <c:pt idx="3">
+                  <c:v>BancoEstado</c:v>
+                </c:pt>
+                <c:pt idx="4">
+                  <c:v>Itaú-Corpbanca</c:v>
+                </c:pt>
+                <c:pt idx="5">
+                  <c:v>BBVA</c:v>
+                </c:pt>
+                <c:pt idx="6">
+                  <c:v>Corpbanca</c:v>
+                </c:pt>
+                <c:pt idx="7">
+                  <c:v>BICE</c:v>
+                </c:pt>
+                <c:pt idx="8">
+                  <c:v>Security</c:v>
+                </c:pt>
+                <c:pt idx="9">
+                  <c:v>Scotiabank</c:v>
+                </c:pt>
+                <c:pt idx="10">
+                  <c:v>Itaú</c:v>
+                </c:pt>
+                <c:pt idx="11">
+                  <c:v>HSBC</c:v>
+                </c:pt>
+                <c:pt idx="12">
+                  <c:v>Internacional</c:v>
+                </c:pt>
+                <c:pt idx="13">
+                  <c:v>Del Desarrollo</c:v>
+                </c:pt>
+              </c:strCache>
+            </c:strRef>
+          </c:cat>
+          <c:val>
+            <c:numRef>
+              <c:f>Sheet1!$F$2:$F$15</c:f>
+              <c:numCache>
+                <c:formatCode>General</c:formatCode>
+                <c:ptCount val="14"/>
+                <c:pt idx="0">
+                  <c:v>0.5</c:v>
+                </c:pt>
+                <c:pt idx="1">
+                  <c:v>0.5</c:v>
+                </c:pt>
+                <c:pt idx="2">
+                  <c:v>0.5</c:v>
+                </c:pt>
+                <c:pt idx="3">
+                  <c:v>0.5</c:v>
+                </c:pt>
+                <c:pt idx="4">
+                  <c:v>0.5</c:v>
+                </c:pt>
+                <c:pt idx="5">
+                  <c:v>0.5</c:v>
+                </c:pt>
+                <c:pt idx="6">
+                  <c:v>0.5</c:v>
+                </c:pt>
+                <c:pt idx="7">
+                  <c:v>0.5</c:v>
+                </c:pt>
+                <c:pt idx="8">
+                  <c:v>0.5</c:v>
+                </c:pt>
+                <c:pt idx="9">
+                  <c:v>0.5</c:v>
+                </c:pt>
+                <c:pt idx="10">
+                  <c:v>0.5</c:v>
+                </c:pt>
+                <c:pt idx="11">
+                  <c:v>0.5</c:v>
+                </c:pt>
+                <c:pt idx="12">
+                  <c:v>0.5</c:v>
+                </c:pt>
+                <c:pt idx="13">
+                  <c:v>0.5</c:v>
+                </c:pt>
               </c:numCache>
             </c:numRef>
           </c:val>
